--- a/Introduction to RL.pptx
+++ b/Introduction to RL.pptx
@@ -3349,8 +3349,8 @@
         </p:nvSpPr>
         <p:spPr>
           <a:xfrm>
-            <a:off x="61912" y="1410162"/>
-            <a:ext cx="11977687" cy="2387600"/>
+            <a:off x="0" y="2665762"/>
+            <a:ext cx="12192000" cy="2387600"/>
           </a:xfrm>
         </p:spPr>
         <p:txBody>
@@ -3359,15 +3359,7 @@
           <a:p>
             <a:r>
               <a:rPr lang="en-GB" dirty="0"/>
-              <a:t>Introduction to </a:t>
-            </a:r>
-            <a:r>
-              <a:rPr lang="en-GB" dirty="0" err="1"/>
-              <a:t>Reinforment</a:t>
-            </a:r>
-            <a:r>
-              <a:rPr lang="en-GB" dirty="0"/>
-              <a:t> Learning</a:t>
+              <a:t>Introduction to Reinforcement Learning</a:t>
             </a:r>
             <a:endParaRPr lang="en-US" dirty="0"/>
           </a:p>
@@ -3391,7 +3383,7 @@
         </p:nvSpPr>
         <p:spPr>
           <a:xfrm>
-            <a:off x="1654080" y="3735388"/>
+            <a:off x="1654080" y="4822662"/>
             <a:ext cx="9144000" cy="1655762"/>
           </a:xfrm>
         </p:spPr>
